--- a/Mental_Health_Prediction_Presentation.pptx
+++ b/Mental_Health_Prediction_Presentation.pptx
@@ -5,7 +5,7 @@
     <p:sldMasterId id="2147483648" r:id="rId1"/>
   </p:sldMasterIdLst>
   <p:notesMasterIdLst>
-    <p:notesMasterId r:id="rId15"/>
+    <p:notesMasterId r:id="rId16"/>
   </p:notesMasterIdLst>
   <p:sldIdLst>
     <p:sldId id="256" r:id="rId2"/>
@@ -16,11 +16,12 @@
     <p:sldId id="261" r:id="rId7"/>
     <p:sldId id="262" r:id="rId8"/>
     <p:sldId id="263" r:id="rId9"/>
-    <p:sldId id="264" r:id="rId10"/>
-    <p:sldId id="267" r:id="rId11"/>
-    <p:sldId id="268" r:id="rId12"/>
-    <p:sldId id="265" r:id="rId13"/>
-    <p:sldId id="266" r:id="rId14"/>
+    <p:sldId id="269" r:id="rId10"/>
+    <p:sldId id="264" r:id="rId11"/>
+    <p:sldId id="267" r:id="rId12"/>
+    <p:sldId id="268" r:id="rId13"/>
+    <p:sldId id="265" r:id="rId14"/>
+    <p:sldId id="266" r:id="rId15"/>
   </p:sldIdLst>
   <p:sldSz cx="9144000" cy="6858000" type="screen4x3"/>
   <p:notesSz cx="6858000" cy="9144000"/>
@@ -18863,7 +18864,7 @@
           <a:p>
             <a:fld id="{731A5071-9447-9C43-B56A-29607798C34C}" type="datetimeFigureOut">
               <a:rPr lang="en-US" smtClean="0"/>
-              <a:t>10/7/24</a:t>
+              <a:t>10/8/24</a:t>
             </a:fld>
             <a:endParaRPr lang="en-US"/>
           </a:p>
@@ -19279,7 +19280,7 @@
           <a:p>
             <a:fld id="{1D9FBF30-4DE7-CF47-8481-37CCAC2C6BA0}" type="slidenum">
               <a:rPr lang="en-US" smtClean="0"/>
-              <a:t>10</a:t>
+              <a:t>11</a:t>
             </a:fld>
             <a:endParaRPr lang="en-US"/>
           </a:p>
@@ -19477,7 +19478,7 @@
           <a:p>
             <a:fld id="{5BCAD085-E8A6-8845-BD4E-CB4CCA059FC4}" type="datetimeFigureOut">
               <a:rPr lang="en-US" smtClean="0"/>
-              <a:t>10/7/24</a:t>
+              <a:t>10/8/24</a:t>
             </a:fld>
             <a:endParaRPr lang="en-US"/>
           </a:p>
@@ -19645,7 +19646,7 @@
           <a:p>
             <a:fld id="{5BCAD085-E8A6-8845-BD4E-CB4CCA059FC4}" type="datetimeFigureOut">
               <a:rPr lang="en-US" smtClean="0"/>
-              <a:t>10/7/24</a:t>
+              <a:t>10/8/24</a:t>
             </a:fld>
             <a:endParaRPr lang="en-US"/>
           </a:p>
@@ -19823,7 +19824,7 @@
           <a:p>
             <a:fld id="{5BCAD085-E8A6-8845-BD4E-CB4CCA059FC4}" type="datetimeFigureOut">
               <a:rPr lang="en-US" smtClean="0"/>
-              <a:t>10/7/24</a:t>
+              <a:t>10/8/24</a:t>
             </a:fld>
             <a:endParaRPr lang="en-US"/>
           </a:p>
@@ -19991,7 +19992,7 @@
           <a:p>
             <a:fld id="{5BCAD085-E8A6-8845-BD4E-CB4CCA059FC4}" type="datetimeFigureOut">
               <a:rPr lang="en-US" smtClean="0"/>
-              <a:t>10/7/24</a:t>
+              <a:t>10/8/24</a:t>
             </a:fld>
             <a:endParaRPr lang="en-US"/>
           </a:p>
@@ -20236,7 +20237,7 @@
           <a:p>
             <a:fld id="{5BCAD085-E8A6-8845-BD4E-CB4CCA059FC4}" type="datetimeFigureOut">
               <a:rPr lang="en-US" smtClean="0"/>
-              <a:t>10/7/24</a:t>
+              <a:t>10/8/24</a:t>
             </a:fld>
             <a:endParaRPr lang="en-US"/>
           </a:p>
@@ -20521,7 +20522,7 @@
           <a:p>
             <a:fld id="{5BCAD085-E8A6-8845-BD4E-CB4CCA059FC4}" type="datetimeFigureOut">
               <a:rPr lang="en-US" smtClean="0"/>
-              <a:t>10/7/24</a:t>
+              <a:t>10/8/24</a:t>
             </a:fld>
             <a:endParaRPr lang="en-US"/>
           </a:p>
@@ -20940,7 +20941,7 @@
           <a:p>
             <a:fld id="{5BCAD085-E8A6-8845-BD4E-CB4CCA059FC4}" type="datetimeFigureOut">
               <a:rPr lang="en-US" smtClean="0"/>
-              <a:t>10/7/24</a:t>
+              <a:t>10/8/24</a:t>
             </a:fld>
             <a:endParaRPr lang="en-US"/>
           </a:p>
@@ -21057,7 +21058,7 @@
           <a:p>
             <a:fld id="{5BCAD085-E8A6-8845-BD4E-CB4CCA059FC4}" type="datetimeFigureOut">
               <a:rPr lang="en-US" smtClean="0"/>
-              <a:t>10/7/24</a:t>
+              <a:t>10/8/24</a:t>
             </a:fld>
             <a:endParaRPr lang="en-US"/>
           </a:p>
@@ -21152,7 +21153,7 @@
           <a:p>
             <a:fld id="{5BCAD085-E8A6-8845-BD4E-CB4CCA059FC4}" type="datetimeFigureOut">
               <a:rPr lang="en-US" smtClean="0"/>
-              <a:t>10/7/24</a:t>
+              <a:t>10/8/24</a:t>
             </a:fld>
             <a:endParaRPr lang="en-US"/>
           </a:p>
@@ -21427,7 +21428,7 @@
           <a:p>
             <a:fld id="{5BCAD085-E8A6-8845-BD4E-CB4CCA059FC4}" type="datetimeFigureOut">
               <a:rPr lang="en-US" smtClean="0"/>
-              <a:t>10/7/24</a:t>
+              <a:t>10/8/24</a:t>
             </a:fld>
             <a:endParaRPr lang="en-US"/>
           </a:p>
@@ -21679,7 +21680,7 @@
           <a:p>
             <a:fld id="{5BCAD085-E8A6-8845-BD4E-CB4CCA059FC4}" type="datetimeFigureOut">
               <a:rPr lang="en-US" smtClean="0"/>
-              <a:t>10/7/24</a:t>
+              <a:t>10/8/24</a:t>
             </a:fld>
             <a:endParaRPr lang="en-US"/>
           </a:p>
@@ -21890,7 +21891,7 @@
           <a:p>
             <a:fld id="{5BCAD085-E8A6-8845-BD4E-CB4CCA059FC4}" type="datetimeFigureOut">
               <a:rPr lang="en-US" smtClean="0"/>
-              <a:t>10/7/24</a:t>
+              <a:t>10/8/24</a:t>
             </a:fld>
             <a:endParaRPr lang="en-US"/>
           </a:p>
@@ -22856,6 +22857,88 @@
 <file path=ppt/slides/slide10.xml><?xml version="1.0" encoding="utf-8"?>
 <p:sld xmlns:a="http://schemas.openxmlformats.org/drawingml/2006/main" xmlns:r="http://schemas.openxmlformats.org/officeDocument/2006/relationships" xmlns:p="http://schemas.openxmlformats.org/presentationml/2006/main">
   <p:cSld>
+    <p:spTree>
+      <p:nvGrpSpPr>
+        <p:cNvPr id="1" name=""/>
+        <p:cNvGrpSpPr/>
+        <p:nvPr/>
+      </p:nvGrpSpPr>
+      <p:grpSpPr>
+        <a:xfrm>
+          <a:off x="0" y="0"/>
+          <a:ext cx="0" cy="0"/>
+          <a:chOff x="0" y="0"/>
+          <a:chExt cx="0" cy="0"/>
+        </a:xfrm>
+      </p:grpSpPr>
+      <p:sp>
+        <p:nvSpPr>
+          <p:cNvPr id="2" name="Title 1"/>
+          <p:cNvSpPr>
+            <a:spLocks noGrp="1"/>
+          </p:cNvSpPr>
+          <p:nvPr>
+            <p:ph type="title"/>
+          </p:nvPr>
+        </p:nvSpPr>
+        <p:spPr/>
+        <p:txBody>
+          <a:bodyPr>
+            <a:normAutofit/>
+          </a:bodyPr>
+          <a:lstStyle/>
+          <a:p>
+            <a:r>
+              <a:rPr lang="en-US" dirty="0"/>
+              <a:t>Web Interface</a:t>
+            </a:r>
+            <a:endParaRPr dirty="0"/>
+          </a:p>
+        </p:txBody>
+      </p:sp>
+      <p:pic>
+        <p:nvPicPr>
+          <p:cNvPr id="4" name="Content Placeholder 3" descr="A screenshot of a test&#10;&#10;Description automatically generated">
+            <a:extLst>
+              <a:ext uri="{FF2B5EF4-FFF2-40B4-BE49-F238E27FC236}">
+                <a16:creationId xmlns:a16="http://schemas.microsoft.com/office/drawing/2014/main" id="{AC0A3926-869C-EA08-C7D9-30C80D4B8CE3}"/>
+              </a:ext>
+            </a:extLst>
+          </p:cNvPr>
+          <p:cNvPicPr>
+            <a:picLocks noGrp="1" noChangeAspect="1"/>
+          </p:cNvPicPr>
+          <p:nvPr>
+            <p:ph idx="1"/>
+          </p:nvPr>
+        </p:nvPicPr>
+        <p:blipFill>
+          <a:blip r:embed="rId2"/>
+          <a:stretch>
+            <a:fillRect/>
+          </a:stretch>
+        </p:blipFill>
+        <p:spPr>
+          <a:xfrm>
+            <a:off x="457200" y="2699592"/>
+            <a:ext cx="8229600" cy="2327178"/>
+          </a:xfrm>
+          <a:prstGeom prst="rect">
+            <a:avLst/>
+          </a:prstGeom>
+        </p:spPr>
+      </p:pic>
+    </p:spTree>
+  </p:cSld>
+  <p:clrMapOvr>
+    <a:masterClrMapping/>
+  </p:clrMapOvr>
+</p:sld>
+</file>
+
+<file path=ppt/slides/slide11.xml><?xml version="1.0" encoding="utf-8"?>
+<p:sld xmlns:a="http://schemas.openxmlformats.org/drawingml/2006/main" xmlns:r="http://schemas.openxmlformats.org/officeDocument/2006/relationships" xmlns:p="http://schemas.openxmlformats.org/presentationml/2006/main">
+  <p:cSld>
     <p:bg>
       <p:bgPr>
         <a:solidFill>
@@ -23212,7 +23295,7 @@
 </p:sld>
 </file>
 
-<file path=ppt/slides/slide11.xml><?xml version="1.0" encoding="utf-8"?>
+<file path=ppt/slides/slide12.xml><?xml version="1.0" encoding="utf-8"?>
 <p:sld xmlns:a="http://schemas.openxmlformats.org/drawingml/2006/main" xmlns:r="http://schemas.openxmlformats.org/officeDocument/2006/relationships" xmlns:p="http://schemas.openxmlformats.org/presentationml/2006/main">
   <p:cSld>
     <p:bg>
@@ -23670,7 +23753,7 @@
 </p:sld>
 </file>
 
-<file path=ppt/slides/slide12.xml><?xml version="1.0" encoding="utf-8"?>
+<file path=ppt/slides/slide13.xml><?xml version="1.0" encoding="utf-8"?>
 <p:sld xmlns:a="http://schemas.openxmlformats.org/drawingml/2006/main" xmlns:r="http://schemas.openxmlformats.org/officeDocument/2006/relationships" xmlns:p="http://schemas.openxmlformats.org/presentationml/2006/main">
   <p:cSld>
     <p:bg>
@@ -23960,7 +24043,7 @@
 </p:sld>
 </file>
 
-<file path=ppt/slides/slide13.xml><?xml version="1.0" encoding="utf-8"?>
+<file path=ppt/slides/slide14.xml><?xml version="1.0" encoding="utf-8"?>
 <p:sld xmlns:a="http://schemas.openxmlformats.org/drawingml/2006/main" xmlns:r="http://schemas.openxmlformats.org/officeDocument/2006/relationships" xmlns:p="http://schemas.openxmlformats.org/presentationml/2006/main">
   <p:cSld>
     <p:bg>
@@ -26792,7 +26875,13 @@
       </p:grpSpPr>
       <p:sp>
         <p:nvSpPr>
-          <p:cNvPr id="2" name="Title 1"/>
+          <p:cNvPr id="2" name="Title 1">
+            <a:extLst>
+              <a:ext uri="{FF2B5EF4-FFF2-40B4-BE49-F238E27FC236}">
+                <a16:creationId xmlns:a16="http://schemas.microsoft.com/office/drawing/2014/main" id="{1FD05650-E7DA-D9E5-D124-D9A19230EFCA}"/>
+              </a:ext>
+            </a:extLst>
+          </p:cNvPr>
           <p:cNvSpPr>
             <a:spLocks noGrp="1"/>
           </p:cNvSpPr>
@@ -26802,25 +26891,22 @@
         </p:nvSpPr>
         <p:spPr/>
         <p:txBody>
-          <a:bodyPr>
-            <a:normAutofit/>
-          </a:bodyPr>
+          <a:bodyPr/>
           <a:lstStyle/>
           <a:p>
             <a:r>
               <a:rPr lang="en-US" dirty="0"/>
-              <a:t>Web Interface</a:t>
+              <a:t>Distribution of Classes</a:t>
             </a:r>
-            <a:endParaRPr dirty="0"/>
           </a:p>
         </p:txBody>
       </p:sp>
       <p:pic>
         <p:nvPicPr>
-          <p:cNvPr id="4" name="Content Placeholder 3" descr="A screenshot of a test&#10;&#10;Description automatically generated">
+          <p:cNvPr id="4" name="Content Placeholder 3">
             <a:extLst>
               <a:ext uri="{FF2B5EF4-FFF2-40B4-BE49-F238E27FC236}">
-                <a16:creationId xmlns:a16="http://schemas.microsoft.com/office/drawing/2014/main" id="{AC0A3926-869C-EA08-C7D9-30C80D4B8CE3}"/>
+                <a16:creationId xmlns:a16="http://schemas.microsoft.com/office/drawing/2014/main" id="{118457CC-2D58-B904-6D1A-503534A96DE1}"/>
               </a:ext>
             </a:extLst>
           </p:cNvPr>
@@ -26839,8 +26925,8 @@
         </p:blipFill>
         <p:spPr>
           <a:xfrm>
-            <a:off x="457200" y="2699592"/>
-            <a:ext cx="8229600" cy="2327178"/>
+            <a:off x="1470454" y="1779373"/>
+            <a:ext cx="6178378" cy="4238368"/>
           </a:xfrm>
           <a:prstGeom prst="rect">
             <a:avLst/>
@@ -26848,6 +26934,11 @@
         </p:spPr>
       </p:pic>
     </p:spTree>
+    <p:extLst>
+      <p:ext uri="{BB962C8B-B14F-4D97-AF65-F5344CB8AC3E}">
+        <p14:creationId xmlns:p14="http://schemas.microsoft.com/office/powerpoint/2010/main" val="1162332705"/>
+      </p:ext>
+    </p:extLst>
   </p:cSld>
   <p:clrMapOvr>
     <a:masterClrMapping/>
